--- a/GitHub.pptx
+++ b/GitHub.pptx
@@ -10,8 +10,12 @@
     <p:sldId id="258" r:id="rId4"/>
     <p:sldId id="261" r:id="rId5"/>
     <p:sldId id="262" r:id="rId6"/>
-    <p:sldId id="260" r:id="rId7"/>
-    <p:sldId id="259" r:id="rId8"/>
+    <p:sldId id="263" r:id="rId7"/>
+    <p:sldId id="260" r:id="rId8"/>
+    <p:sldId id="264" r:id="rId9"/>
+    <p:sldId id="266" r:id="rId10"/>
+    <p:sldId id="259" r:id="rId11"/>
+    <p:sldId id="265" r:id="rId12"/>
   </p:sldIdLst>
   <p:sldSz cx="12192000" cy="6858000"/>
   <p:notesSz cx="6858000" cy="9144000"/>
@@ -3401,6 +3405,248 @@
 </p:sld>
 </file>
 
+<file path=ppt/slides/slide10.xml><?xml version="1.0" encoding="utf-8"?>
+<p:sld xmlns:a="http://schemas.openxmlformats.org/drawingml/2006/main" xmlns:r="http://schemas.openxmlformats.org/officeDocument/2006/relationships" xmlns:p="http://schemas.openxmlformats.org/presentationml/2006/main">
+  <p:cSld>
+    <p:spTree>
+      <p:nvGrpSpPr>
+        <p:cNvPr id="1" name=""/>
+        <p:cNvGrpSpPr/>
+        <p:nvPr/>
+      </p:nvGrpSpPr>
+      <p:grpSpPr>
+        <a:xfrm>
+          <a:off x="0" y="0"/>
+          <a:ext cx="0" cy="0"/>
+          <a:chOff x="0" y="0"/>
+          <a:chExt cx="0" cy="0"/>
+        </a:xfrm>
+      </p:grpSpPr>
+      <p:sp>
+        <p:nvSpPr>
+          <p:cNvPr id="2" name="Title 1">
+            <a:extLst>
+              <a:ext uri="{FF2B5EF4-FFF2-40B4-BE49-F238E27FC236}">
+                <a16:creationId xmlns:a16="http://schemas.microsoft.com/office/drawing/2014/main" id="{E1F1F45F-F13B-4B27-BC60-7ABACF560559}"/>
+              </a:ext>
+            </a:extLst>
+          </p:cNvPr>
+          <p:cNvSpPr>
+            <a:spLocks noGrp="1"/>
+          </p:cNvSpPr>
+          <p:nvPr>
+            <p:ph type="title"/>
+          </p:nvPr>
+        </p:nvSpPr>
+        <p:spPr/>
+        <p:txBody>
+          <a:bodyPr/>
+          <a:lstStyle/>
+          <a:p>
+            <a:endParaRPr lang="en-IN"/>
+          </a:p>
+        </p:txBody>
+      </p:sp>
+      <p:sp>
+        <p:nvSpPr>
+          <p:cNvPr id="3" name="Content Placeholder 2">
+            <a:extLst>
+              <a:ext uri="{FF2B5EF4-FFF2-40B4-BE49-F238E27FC236}">
+                <a16:creationId xmlns:a16="http://schemas.microsoft.com/office/drawing/2014/main" id="{32E12FE0-C5D1-474B-A2EF-5B45F595BBDD}"/>
+              </a:ext>
+            </a:extLst>
+          </p:cNvPr>
+          <p:cNvSpPr>
+            <a:spLocks noGrp="1"/>
+          </p:cNvSpPr>
+          <p:nvPr>
+            <p:ph idx="1"/>
+          </p:nvPr>
+        </p:nvSpPr>
+        <p:spPr/>
+        <p:txBody>
+          <a:bodyPr/>
+          <a:lstStyle/>
+          <a:p>
+            <a:endParaRPr lang="en-IN"/>
+          </a:p>
+        </p:txBody>
+      </p:sp>
+      <p:pic>
+        <p:nvPicPr>
+          <p:cNvPr id="5" name="Picture 4">
+            <a:extLst>
+              <a:ext uri="{FF2B5EF4-FFF2-40B4-BE49-F238E27FC236}">
+                <a16:creationId xmlns:a16="http://schemas.microsoft.com/office/drawing/2014/main" id="{F8E49586-D13E-4291-A713-1B22681CC93B}"/>
+              </a:ext>
+            </a:extLst>
+          </p:cNvPr>
+          <p:cNvPicPr>
+            <a:picLocks noChangeAspect="1"/>
+          </p:cNvPicPr>
+          <p:nvPr/>
+        </p:nvPicPr>
+        <p:blipFill>
+          <a:blip r:embed="rId2"/>
+          <a:stretch>
+            <a:fillRect/>
+          </a:stretch>
+        </p:blipFill>
+        <p:spPr>
+          <a:xfrm>
+            <a:off x="-574395" y="0"/>
+            <a:ext cx="13340790" cy="6858000"/>
+          </a:xfrm>
+          <a:prstGeom prst="rect">
+            <a:avLst/>
+          </a:prstGeom>
+        </p:spPr>
+      </p:pic>
+    </p:spTree>
+    <p:extLst>
+      <p:ext uri="{BB962C8B-B14F-4D97-AF65-F5344CB8AC3E}">
+        <p14:creationId xmlns:p14="http://schemas.microsoft.com/office/powerpoint/2010/main" val="1793930216"/>
+      </p:ext>
+    </p:extLst>
+  </p:cSld>
+  <p:clrMapOvr>
+    <a:masterClrMapping/>
+  </p:clrMapOvr>
+</p:sld>
+</file>
+
+<file path=ppt/slides/slide11.xml><?xml version="1.0" encoding="utf-8"?>
+<p:sld xmlns:a="http://schemas.openxmlformats.org/drawingml/2006/main" xmlns:r="http://schemas.openxmlformats.org/officeDocument/2006/relationships" xmlns:p="http://schemas.openxmlformats.org/presentationml/2006/main">
+  <p:cSld>
+    <p:spTree>
+      <p:nvGrpSpPr>
+        <p:cNvPr id="1" name=""/>
+        <p:cNvGrpSpPr/>
+        <p:nvPr/>
+      </p:nvGrpSpPr>
+      <p:grpSpPr>
+        <a:xfrm>
+          <a:off x="0" y="0"/>
+          <a:ext cx="0" cy="0"/>
+          <a:chOff x="0" y="0"/>
+          <a:chExt cx="0" cy="0"/>
+        </a:xfrm>
+      </p:grpSpPr>
+      <p:sp>
+        <p:nvSpPr>
+          <p:cNvPr id="2" name="Title 1">
+            <a:extLst>
+              <a:ext uri="{FF2B5EF4-FFF2-40B4-BE49-F238E27FC236}">
+                <a16:creationId xmlns:a16="http://schemas.microsoft.com/office/drawing/2014/main" id="{AF0E2106-6943-4210-AD86-33837D91F432}"/>
+              </a:ext>
+            </a:extLst>
+          </p:cNvPr>
+          <p:cNvSpPr>
+            <a:spLocks noGrp="1"/>
+          </p:cNvSpPr>
+          <p:nvPr>
+            <p:ph type="title"/>
+          </p:nvPr>
+        </p:nvSpPr>
+        <p:spPr>
+          <a:xfrm>
+            <a:off x="2627671" y="2396613"/>
+            <a:ext cx="6936658" cy="2064774"/>
+          </a:xfrm>
+        </p:spPr>
+        <p:txBody>
+          <a:bodyPr>
+            <a:noAutofit/>
+          </a:bodyPr>
+          <a:lstStyle/>
+          <a:p>
+            <a:r>
+              <a:rPr lang="en-US" sz="10000" b="1" dirty="0"/>
+              <a:t>IT’S A WRAP!</a:t>
+            </a:r>
+            <a:endParaRPr lang="en-IN" sz="10000" b="1" dirty="0"/>
+          </a:p>
+        </p:txBody>
+      </p:sp>
+      <p:pic>
+        <p:nvPicPr>
+          <p:cNvPr id="4" name="Picture 3">
+            <a:extLst>
+              <a:ext uri="{FF2B5EF4-FFF2-40B4-BE49-F238E27FC236}">
+                <a16:creationId xmlns:a16="http://schemas.microsoft.com/office/drawing/2014/main" id="{BCF3BD6E-378F-4EAB-B067-4411463A6219}"/>
+              </a:ext>
+            </a:extLst>
+          </p:cNvPr>
+          <p:cNvPicPr>
+            <a:picLocks noChangeAspect="1"/>
+          </p:cNvPicPr>
+          <p:nvPr/>
+        </p:nvPicPr>
+        <p:blipFill>
+          <a:blip r:embed="rId2">
+            <a:extLst>
+              <a:ext uri="{28A0092B-C50C-407E-A947-70E740481C1C}">
+                <a14:useLocalDpi xmlns:a14="http://schemas.microsoft.com/office/drawing/2010/main" val="0"/>
+              </a:ext>
+            </a:extLst>
+          </a:blip>
+          <a:stretch>
+            <a:fillRect/>
+          </a:stretch>
+        </p:blipFill>
+        <p:spPr>
+          <a:xfrm>
+            <a:off x="297120" y="247139"/>
+            <a:ext cx="1551345" cy="647814"/>
+          </a:xfrm>
+          <a:prstGeom prst="rect">
+            <a:avLst/>
+          </a:prstGeom>
+        </p:spPr>
+      </p:pic>
+      <p:pic>
+        <p:nvPicPr>
+          <p:cNvPr id="5" name="Picture 4">
+            <a:extLst>
+              <a:ext uri="{FF2B5EF4-FFF2-40B4-BE49-F238E27FC236}">
+                <a16:creationId xmlns:a16="http://schemas.microsoft.com/office/drawing/2014/main" id="{30BF1AD2-2B95-48E1-8CDC-38A4802A7742}"/>
+              </a:ext>
+            </a:extLst>
+          </p:cNvPr>
+          <p:cNvPicPr>
+            <a:picLocks noChangeAspect="1"/>
+          </p:cNvPicPr>
+          <p:nvPr/>
+        </p:nvPicPr>
+        <p:blipFill>
+          <a:blip r:embed="rId3"/>
+          <a:stretch>
+            <a:fillRect/>
+          </a:stretch>
+        </p:blipFill>
+        <p:spPr>
+          <a:xfrm>
+            <a:off x="10778739" y="0"/>
+            <a:ext cx="1413261" cy="1406013"/>
+          </a:xfrm>
+          <a:prstGeom prst="rect">
+            <a:avLst/>
+          </a:prstGeom>
+        </p:spPr>
+      </p:pic>
+    </p:spTree>
+    <p:extLst>
+      <p:ext uri="{BB962C8B-B14F-4D97-AF65-F5344CB8AC3E}">
+        <p14:creationId xmlns:p14="http://schemas.microsoft.com/office/powerpoint/2010/main" val="1606652842"/>
+      </p:ext>
+    </p:extLst>
+  </p:cSld>
+  <p:clrMapOvr>
+    <a:masterClrMapping/>
+  </p:clrMapOvr>
+</p:sld>
+</file>
+
 <file path=ppt/slides/slide2.xml><?xml version="1.0" encoding="utf-8"?>
 <p:sld xmlns:a="http://schemas.openxmlformats.org/drawingml/2006/main" xmlns:r="http://schemas.openxmlformats.org/officeDocument/2006/relationships" xmlns:p="http://schemas.openxmlformats.org/presentationml/2006/main">
   <p:cSld>
@@ -3760,8 +4006,8 @@
         </p:nvSpPr>
         <p:spPr>
           <a:xfrm>
-            <a:off x="2337622" y="5061118"/>
-            <a:ext cx="3658827" cy="1477328"/>
+            <a:off x="2271250" y="4995952"/>
+            <a:ext cx="5506065" cy="1862048"/>
           </a:xfrm>
           <a:prstGeom prst="rect">
             <a:avLst/>
@@ -3789,6 +4035,15 @@
             <a:r>
               <a:rPr lang="en-US" sz="2500" dirty="0"/>
               <a:t>For Collaboration</a:t>
+            </a:r>
+          </a:p>
+          <a:p>
+            <a:pPr marL="742950" indent="-742950">
+              <a:buAutoNum type="arabicPeriod"/>
+            </a:pPr>
+            <a:r>
+              <a:rPr lang="en-US" sz="2500" dirty="0"/>
+              <a:t>Speed, simplicity, fully distributed.</a:t>
             </a:r>
           </a:p>
           <a:p>
@@ -3972,8 +4227,8 @@
         </p:nvSpPr>
         <p:spPr>
           <a:xfrm>
-            <a:off x="1227111" y="2136338"/>
-            <a:ext cx="9737775" cy="1292662"/>
+            <a:off x="1227112" y="2116674"/>
+            <a:ext cx="9737775" cy="3108543"/>
           </a:xfrm>
           <a:prstGeom prst="rect">
             <a:avLst/>
@@ -3986,11 +4241,40 @@
           </a:bodyPr>
           <a:lstStyle/>
           <a:p>
-            <a:r>
-              <a:rPr lang="en-US" sz="2600" dirty="0"/>
-              <a:t>GitHub is a code hosting platform for collaboration and version control, where developers store their projects and network with like minded people.</a:t>
-            </a:r>
-            <a:endParaRPr lang="en-IN" sz="2600" dirty="0"/>
+            <a:pPr marL="457200" indent="-457200">
+              <a:buFont typeface="Arial" panose="020B0604020202020204" pitchFamily="34" charset="0"/>
+              <a:buChar char="•"/>
+            </a:pPr>
+            <a:r>
+              <a:rPr lang="en-US" sz="2800" dirty="0"/>
+              <a:t>GitHub is a website, basically a code hosting platform for collaboration and version control, where developers store their projects and network with like minded people.</a:t>
+            </a:r>
+          </a:p>
+          <a:p>
+            <a:endParaRPr lang="en-US" sz="2800" dirty="0"/>
+          </a:p>
+          <a:p>
+            <a:pPr marL="457200" indent="-457200">
+              <a:buFont typeface="Arial" panose="020B0604020202020204" pitchFamily="34" charset="0"/>
+              <a:buChar char="•"/>
+            </a:pPr>
+            <a:r>
+              <a:rPr lang="en-US" sz="2800" dirty="0"/>
+              <a:t>It is owned by Microsoft.</a:t>
+            </a:r>
+          </a:p>
+          <a:p>
+            <a:endParaRPr lang="en-US" sz="2800" dirty="0"/>
+          </a:p>
+          <a:p>
+            <a:pPr marL="457200" indent="-457200">
+              <a:buFont typeface="Arial" panose="020B0604020202020204" pitchFamily="34" charset="0"/>
+              <a:buChar char="•"/>
+            </a:pPr>
+            <a:r>
+              <a:rPr lang="en-US" sz="2800" dirty="0"/>
+              <a:t>Alternatives of GitHub are: GitLab, Bitbucket, Launchpad.</a:t>
+            </a:r>
           </a:p>
         </p:txBody>
       </p:sp>
@@ -4142,12 +4426,14 @@
         </p:nvSpPr>
         <p:spPr>
           <a:xfrm>
-            <a:off x="838200" y="1871866"/>
-            <a:ext cx="10515600" cy="1890969"/>
-          </a:xfrm>
-        </p:spPr>
-        <p:txBody>
-          <a:bodyPr/>
+            <a:off x="559211" y="2196100"/>
+            <a:ext cx="4805516" cy="4257446"/>
+          </a:xfrm>
+        </p:spPr>
+        <p:txBody>
+          <a:bodyPr>
+            <a:normAutofit/>
+          </a:bodyPr>
           <a:lstStyle/>
           <a:p>
             <a:r>
@@ -4158,7 +4444,7 @@
           <a:p>
             <a:r>
               <a:rPr lang="en-US" dirty="0"/>
-              <a:t>Each project has its own repo, and you can access it with a unique URL.</a:t>
+              <a:t>Each project has its own repo, and you can access it with a unique URL, which can also be shared with others for collaboration.</a:t>
             </a:r>
             <a:endParaRPr lang="en-IN" dirty="0"/>
           </a:p>
@@ -4224,6 +4510,36 @@
           <a:xfrm>
             <a:off x="11198942" y="0"/>
             <a:ext cx="993058" cy="987965"/>
+          </a:xfrm>
+          <a:prstGeom prst="rect">
+            <a:avLst/>
+          </a:prstGeom>
+        </p:spPr>
+      </p:pic>
+      <p:pic>
+        <p:nvPicPr>
+          <p:cNvPr id="7" name="Picture 6">
+            <a:extLst>
+              <a:ext uri="{FF2B5EF4-FFF2-40B4-BE49-F238E27FC236}">
+                <a16:creationId xmlns:a16="http://schemas.microsoft.com/office/drawing/2014/main" id="{37004A1C-9A46-4721-9D66-3449AA78A851}"/>
+              </a:ext>
+            </a:extLst>
+          </p:cNvPr>
+          <p:cNvPicPr>
+            <a:picLocks noChangeAspect="1"/>
+          </p:cNvPicPr>
+          <p:nvPr/>
+        </p:nvPicPr>
+        <p:blipFill>
+          <a:blip r:embed="rId4"/>
+          <a:stretch>
+            <a:fillRect/>
+          </a:stretch>
+        </p:blipFill>
+        <p:spPr>
+          <a:xfrm>
+            <a:off x="5417575" y="1368783"/>
+            <a:ext cx="6568424" cy="5188503"/>
           </a:xfrm>
           <a:prstGeom prst="rect">
             <a:avLst/>
@@ -4265,7 +4581,7 @@
           <p:cNvPr id="2" name="Title 1">
             <a:extLst>
               <a:ext uri="{FF2B5EF4-FFF2-40B4-BE49-F238E27FC236}">
-                <a16:creationId xmlns:a16="http://schemas.microsoft.com/office/drawing/2014/main" id="{B70B1745-77F1-4D14-B34A-F3DB6E13DE3E}"/>
+                <a16:creationId xmlns:a16="http://schemas.microsoft.com/office/drawing/2014/main" id="{46DCC999-1D40-481A-BD69-7D4DF1C45926}"/>
               </a:ext>
             </a:extLst>
           </p:cNvPr>
@@ -4278,8 +4594,44 @@
         </p:nvSpPr>
         <p:spPr>
           <a:xfrm>
-            <a:off x="3879440" y="247139"/>
-            <a:ext cx="4433120" cy="972062"/>
+            <a:off x="4603954" y="571602"/>
+            <a:ext cx="2278627" cy="824577"/>
+          </a:xfrm>
+        </p:spPr>
+        <p:txBody>
+          <a:bodyPr>
+            <a:normAutofit/>
+          </a:bodyPr>
+          <a:lstStyle/>
+          <a:p>
+            <a:r>
+              <a:rPr lang="en-US" b="1" dirty="0"/>
+              <a:t>COMMIT</a:t>
+            </a:r>
+            <a:endParaRPr lang="en-IN" b="1" dirty="0"/>
+          </a:p>
+        </p:txBody>
+      </p:sp>
+      <p:sp>
+        <p:nvSpPr>
+          <p:cNvPr id="3" name="Content Placeholder 2">
+            <a:extLst>
+              <a:ext uri="{FF2B5EF4-FFF2-40B4-BE49-F238E27FC236}">
+                <a16:creationId xmlns:a16="http://schemas.microsoft.com/office/drawing/2014/main" id="{A0D25249-758A-44F8-9802-99CF1AECB344}"/>
+              </a:ext>
+            </a:extLst>
+          </p:cNvPr>
+          <p:cNvSpPr>
+            <a:spLocks noGrp="1"/>
+          </p:cNvSpPr>
+          <p:nvPr>
+            <p:ph idx="1"/>
+          </p:nvPr>
+        </p:nvSpPr>
+        <p:spPr>
+          <a:xfrm>
+            <a:off x="838200" y="1687973"/>
+            <a:ext cx="10515600" cy="1603375"/>
           </a:xfrm>
         </p:spPr>
         <p:txBody>
@@ -4287,54 +4639,25 @@
           <a:lstStyle/>
           <a:p>
             <a:r>
-              <a:rPr lang="en-US" b="1" dirty="0"/>
-              <a:t>BRANCHING IN GIT</a:t>
-            </a:r>
-            <a:endParaRPr lang="en-IN" b="1" dirty="0"/>
+              <a:rPr lang="en-US" dirty="0"/>
+              <a:t>This is just like a snapshot of your entire repository at several times.</a:t>
+            </a:r>
+          </a:p>
+          <a:p>
+            <a:r>
+              <a:rPr lang="en-US" dirty="0"/>
+              <a:t>It tells a story of the history of your repository and how it came to be the way that it currently is.</a:t>
+            </a:r>
+            <a:endParaRPr lang="en-IN" dirty="0"/>
           </a:p>
         </p:txBody>
       </p:sp>
       <p:pic>
         <p:nvPicPr>
-          <p:cNvPr id="9" name="Content Placeholder 8">
-            <a:extLst>
-              <a:ext uri="{FF2B5EF4-FFF2-40B4-BE49-F238E27FC236}">
-                <a16:creationId xmlns:a16="http://schemas.microsoft.com/office/drawing/2014/main" id="{3EC3059C-C491-4E84-B09D-B611F1DBBCB0}"/>
-              </a:ext>
-            </a:extLst>
-          </p:cNvPr>
-          <p:cNvPicPr>
-            <a:picLocks noGrp="1" noChangeAspect="1"/>
-          </p:cNvPicPr>
-          <p:nvPr>
-            <p:ph idx="1"/>
-          </p:nvPr>
-        </p:nvPicPr>
-        <p:blipFill>
-          <a:blip r:embed="rId2">
-            <a:extLst>
-              <a:ext uri="{28A0092B-C50C-407E-A947-70E740481C1C}">
-                <a14:useLocalDpi xmlns:a14="http://schemas.microsoft.com/office/drawing/2010/main" val="0"/>
-              </a:ext>
-            </a:extLst>
-          </a:blip>
-          <a:stretch>
-            <a:fillRect/>
-          </a:stretch>
-        </p:blipFill>
-        <p:spPr>
-          <a:xfrm>
-            <a:off x="3422461" y="1250003"/>
-            <a:ext cx="7470846" cy="4357994"/>
-          </a:xfrm>
-        </p:spPr>
-      </p:pic>
-      <p:pic>
-        <p:nvPicPr>
-          <p:cNvPr id="11" name="Picture 10">
-            <a:extLst>
-              <a:ext uri="{FF2B5EF4-FFF2-40B4-BE49-F238E27FC236}">
-                <a16:creationId xmlns:a16="http://schemas.microsoft.com/office/drawing/2014/main" id="{AD6A924B-02D4-490E-959D-6636AB52356A}"/>
+          <p:cNvPr id="4" name="Picture 3">
+            <a:extLst>
+              <a:ext uri="{FF2B5EF4-FFF2-40B4-BE49-F238E27FC236}">
+                <a16:creationId xmlns:a16="http://schemas.microsoft.com/office/drawing/2014/main" id="{85A8230F-1C04-4BE0-9C9B-F447347FBAAF}"/>
               </a:ext>
             </a:extLst>
           </p:cNvPr>
@@ -4344,7 +4667,7 @@
           <p:nvPr/>
         </p:nvPicPr>
         <p:blipFill>
-          <a:blip r:embed="rId3">
+          <a:blip r:embed="rId2">
             <a:extLst>
               <a:ext uri="{28A0092B-C50C-407E-A947-70E740481C1C}">
                 <a14:useLocalDpi xmlns:a14="http://schemas.microsoft.com/office/drawing/2010/main" val="0"/>
@@ -4357,8 +4680,8 @@
         </p:blipFill>
         <p:spPr>
           <a:xfrm>
-            <a:off x="267623" y="233451"/>
-            <a:ext cx="1551345" cy="647814"/>
+            <a:off x="267624" y="233451"/>
+            <a:ext cx="1226880" cy="512323"/>
           </a:xfrm>
           <a:prstGeom prst="rect">
             <a:avLst/>
@@ -4367,10 +4690,40 @@
       </p:pic>
       <p:pic>
         <p:nvPicPr>
-          <p:cNvPr id="12" name="Picture 11">
-            <a:extLst>
-              <a:ext uri="{FF2B5EF4-FFF2-40B4-BE49-F238E27FC236}">
-                <a16:creationId xmlns:a16="http://schemas.microsoft.com/office/drawing/2014/main" id="{0BE1E397-E986-42DB-A512-D0687E06767C}"/>
+          <p:cNvPr id="5" name="Picture 4">
+            <a:extLst>
+              <a:ext uri="{FF2B5EF4-FFF2-40B4-BE49-F238E27FC236}">
+                <a16:creationId xmlns:a16="http://schemas.microsoft.com/office/drawing/2014/main" id="{548E0A63-ABE9-4684-8B09-D96CDFB3C02A}"/>
+              </a:ext>
+            </a:extLst>
+          </p:cNvPr>
+          <p:cNvPicPr>
+            <a:picLocks noChangeAspect="1"/>
+          </p:cNvPicPr>
+          <p:nvPr/>
+        </p:nvPicPr>
+        <p:blipFill>
+          <a:blip r:embed="rId3"/>
+          <a:stretch>
+            <a:fillRect/>
+          </a:stretch>
+        </p:blipFill>
+        <p:spPr>
+          <a:xfrm>
+            <a:off x="11198942" y="0"/>
+            <a:ext cx="993058" cy="987965"/>
+          </a:xfrm>
+          <a:prstGeom prst="rect">
+            <a:avLst/>
+          </a:prstGeom>
+        </p:spPr>
+      </p:pic>
+      <p:pic>
+        <p:nvPicPr>
+          <p:cNvPr id="6" name="Picture 5">
+            <a:extLst>
+              <a:ext uri="{FF2B5EF4-FFF2-40B4-BE49-F238E27FC236}">
+                <a16:creationId xmlns:a16="http://schemas.microsoft.com/office/drawing/2014/main" id="{8454D990-31DA-4D8E-91FB-84A514E0ED50}"/>
               </a:ext>
             </a:extLst>
           </p:cNvPr>
@@ -4387,90 +4740,18 @@
         </p:blipFill>
         <p:spPr>
           <a:xfrm>
-            <a:off x="10778739" y="0"/>
-            <a:ext cx="1413261" cy="1406013"/>
+            <a:off x="1178098" y="3308620"/>
+            <a:ext cx="9835804" cy="3315929"/>
           </a:xfrm>
           <a:prstGeom prst="rect">
             <a:avLst/>
           </a:prstGeom>
         </p:spPr>
       </p:pic>
-      <p:sp>
-        <p:nvSpPr>
-          <p:cNvPr id="13" name="TextBox 12">
-            <a:extLst>
-              <a:ext uri="{FF2B5EF4-FFF2-40B4-BE49-F238E27FC236}">
-                <a16:creationId xmlns:a16="http://schemas.microsoft.com/office/drawing/2014/main" id="{D357F800-7CC3-471B-A715-BFDC16D1E5CE}"/>
-              </a:ext>
-            </a:extLst>
-          </p:cNvPr>
-          <p:cNvSpPr txBox="1"/>
-          <p:nvPr/>
-        </p:nvSpPr>
-        <p:spPr>
-          <a:xfrm>
-            <a:off x="530942" y="1582532"/>
-            <a:ext cx="6086167" cy="1107996"/>
-          </a:xfrm>
-          <a:prstGeom prst="rect">
-            <a:avLst/>
-          </a:prstGeom>
-          <a:noFill/>
-        </p:spPr>
-        <p:txBody>
-          <a:bodyPr wrap="square" rtlCol="0">
-            <a:spAutoFit/>
-          </a:bodyPr>
-          <a:lstStyle/>
-          <a:p>
-            <a:r>
-              <a:rPr lang="en-US" sz="2200" dirty="0"/>
-              <a:t>A feature that is used to create an independent, similar copy of the current repository for different usage requirements.</a:t>
-            </a:r>
-            <a:endParaRPr lang="en-IN" sz="2200" dirty="0"/>
-          </a:p>
-        </p:txBody>
-      </p:sp>
-      <p:sp>
-        <p:nvSpPr>
-          <p:cNvPr id="14" name="TextBox 13">
-            <a:extLst>
-              <a:ext uri="{FF2B5EF4-FFF2-40B4-BE49-F238E27FC236}">
-                <a16:creationId xmlns:a16="http://schemas.microsoft.com/office/drawing/2014/main" id="{A25E9E67-913B-46AD-AF65-4AB4617E23F2}"/>
-              </a:ext>
-            </a:extLst>
-          </p:cNvPr>
-          <p:cNvSpPr txBox="1"/>
-          <p:nvPr/>
-        </p:nvSpPr>
-        <p:spPr>
-          <a:xfrm>
-            <a:off x="530941" y="5171085"/>
-            <a:ext cx="6086167" cy="769441"/>
-          </a:xfrm>
-          <a:prstGeom prst="rect">
-            <a:avLst/>
-          </a:prstGeom>
-          <a:noFill/>
-        </p:spPr>
-        <p:txBody>
-          <a:bodyPr wrap="square" rtlCol="0">
-            <a:spAutoFit/>
-          </a:bodyPr>
-          <a:lstStyle/>
-          <a:p>
-            <a:r>
-              <a:rPr lang="en-US" sz="2200" dirty="0"/>
-              <a:t>It allows you to work on multiple things without obstructing the active branch (main branch).</a:t>
-            </a:r>
-            <a:endParaRPr lang="en-IN" sz="2200" dirty="0"/>
-          </a:p>
-        </p:txBody>
-      </p:sp>
     </p:spTree>
     <p:extLst>
       <p:ext uri="{BB962C8B-B14F-4D97-AF65-F5344CB8AC3E}">
-        <p14:creationId xmlns:p14="http://schemas.microsoft.com/office/powerpoint/2010/main" val="441176905"/>
+        <p14:creationId xmlns:p14="http://schemas.microsoft.com/office/powerpoint/2010/main" val="1669466655"/>
       </p:ext>
     </p:extLst>
   </p:cSld>
@@ -4502,7 +4783,7 @@
           <p:cNvPr id="2" name="Title 1">
             <a:extLst>
               <a:ext uri="{FF2B5EF4-FFF2-40B4-BE49-F238E27FC236}">
-                <a16:creationId xmlns:a16="http://schemas.microsoft.com/office/drawing/2014/main" id="{E1F1F45F-F13B-4B27-BC60-7ABACF560559}"/>
+                <a16:creationId xmlns:a16="http://schemas.microsoft.com/office/drawing/2014/main" id="{B70B1745-77F1-4D14-B34A-F3DB6E13DE3E}"/>
               </a:ext>
             </a:extLst>
           </p:cNvPr>
@@ -4513,46 +4794,65 @@
             <p:ph type="title"/>
           </p:nvPr>
         </p:nvSpPr>
-        <p:spPr/>
+        <p:spPr>
+          <a:xfrm>
+            <a:off x="3879440" y="247139"/>
+            <a:ext cx="4433120" cy="972062"/>
+          </a:xfrm>
+        </p:spPr>
         <p:txBody>
           <a:bodyPr/>
           <a:lstStyle/>
           <a:p>
-            <a:endParaRPr lang="en-IN"/>
-          </a:p>
-        </p:txBody>
-      </p:sp>
-      <p:sp>
-        <p:nvSpPr>
-          <p:cNvPr id="3" name="Content Placeholder 2">
-            <a:extLst>
-              <a:ext uri="{FF2B5EF4-FFF2-40B4-BE49-F238E27FC236}">
-                <a16:creationId xmlns:a16="http://schemas.microsoft.com/office/drawing/2014/main" id="{32E12FE0-C5D1-474B-A2EF-5B45F595BBDD}"/>
-              </a:ext>
-            </a:extLst>
-          </p:cNvPr>
-          <p:cNvSpPr>
-            <a:spLocks noGrp="1"/>
-          </p:cNvSpPr>
-          <p:nvPr>
-            <p:ph idx="1"/>
-          </p:nvPr>
-        </p:nvSpPr>
-        <p:spPr/>
-        <p:txBody>
-          <a:bodyPr/>
-          <a:lstStyle/>
-          <a:p>
-            <a:endParaRPr lang="en-IN"/>
+            <a:r>
+              <a:rPr lang="en-US" b="1" dirty="0"/>
+              <a:t>BRANCHING IN GIT</a:t>
+            </a:r>
+            <a:endParaRPr lang="en-IN" b="1" dirty="0"/>
           </a:p>
         </p:txBody>
       </p:sp>
       <p:pic>
         <p:nvPicPr>
-          <p:cNvPr id="5" name="Picture 4">
-            <a:extLst>
-              <a:ext uri="{FF2B5EF4-FFF2-40B4-BE49-F238E27FC236}">
-                <a16:creationId xmlns:a16="http://schemas.microsoft.com/office/drawing/2014/main" id="{F8E49586-D13E-4291-A713-1B22681CC93B}"/>
+          <p:cNvPr id="9" name="Content Placeholder 8">
+            <a:extLst>
+              <a:ext uri="{FF2B5EF4-FFF2-40B4-BE49-F238E27FC236}">
+                <a16:creationId xmlns:a16="http://schemas.microsoft.com/office/drawing/2014/main" id="{3EC3059C-C491-4E84-B09D-B611F1DBBCB0}"/>
+              </a:ext>
+            </a:extLst>
+          </p:cNvPr>
+          <p:cNvPicPr>
+            <a:picLocks noGrp="1" noChangeAspect="1"/>
+          </p:cNvPicPr>
+          <p:nvPr>
+            <p:ph idx="1"/>
+          </p:nvPr>
+        </p:nvPicPr>
+        <p:blipFill>
+          <a:blip r:embed="rId2">
+            <a:extLst>
+              <a:ext uri="{28A0092B-C50C-407E-A947-70E740481C1C}">
+                <a14:useLocalDpi xmlns:a14="http://schemas.microsoft.com/office/drawing/2010/main" val="0"/>
+              </a:ext>
+            </a:extLst>
+          </a:blip>
+          <a:stretch>
+            <a:fillRect/>
+          </a:stretch>
+        </p:blipFill>
+        <p:spPr>
+          <a:xfrm>
+            <a:off x="3422461" y="1250003"/>
+            <a:ext cx="7470846" cy="4357994"/>
+          </a:xfrm>
+        </p:spPr>
+      </p:pic>
+      <p:pic>
+        <p:nvPicPr>
+          <p:cNvPr id="11" name="Picture 10">
+            <a:extLst>
+              <a:ext uri="{FF2B5EF4-FFF2-40B4-BE49-F238E27FC236}">
+                <a16:creationId xmlns:a16="http://schemas.microsoft.com/office/drawing/2014/main" id="{AD6A924B-02D4-490E-959D-6636AB52356A}"/>
               </a:ext>
             </a:extLst>
           </p:cNvPr>
@@ -4562,15 +4862,1087 @@
           <p:nvPr/>
         </p:nvPicPr>
         <p:blipFill>
-          <a:blip r:embed="rId2"/>
+          <a:blip r:embed="rId3">
+            <a:extLst>
+              <a:ext uri="{28A0092B-C50C-407E-A947-70E740481C1C}">
+                <a14:useLocalDpi xmlns:a14="http://schemas.microsoft.com/office/drawing/2010/main" val="0"/>
+              </a:ext>
+            </a:extLst>
+          </a:blip>
           <a:stretch>
             <a:fillRect/>
           </a:stretch>
         </p:blipFill>
         <p:spPr>
           <a:xfrm>
-            <a:off x="-574395" y="0"/>
-            <a:ext cx="13340790" cy="6858000"/>
+            <a:off x="297120" y="247139"/>
+            <a:ext cx="1551345" cy="647814"/>
+          </a:xfrm>
+          <a:prstGeom prst="rect">
+            <a:avLst/>
+          </a:prstGeom>
+        </p:spPr>
+      </p:pic>
+      <p:pic>
+        <p:nvPicPr>
+          <p:cNvPr id="12" name="Picture 11">
+            <a:extLst>
+              <a:ext uri="{FF2B5EF4-FFF2-40B4-BE49-F238E27FC236}">
+                <a16:creationId xmlns:a16="http://schemas.microsoft.com/office/drawing/2014/main" id="{0BE1E397-E986-42DB-A512-D0687E06767C}"/>
+              </a:ext>
+            </a:extLst>
+          </p:cNvPr>
+          <p:cNvPicPr>
+            <a:picLocks noChangeAspect="1"/>
+          </p:cNvPicPr>
+          <p:nvPr/>
+        </p:nvPicPr>
+        <p:blipFill>
+          <a:blip r:embed="rId4"/>
+          <a:stretch>
+            <a:fillRect/>
+          </a:stretch>
+        </p:blipFill>
+        <p:spPr>
+          <a:xfrm>
+            <a:off x="10778739" y="0"/>
+            <a:ext cx="1413261" cy="1406013"/>
+          </a:xfrm>
+          <a:prstGeom prst="rect">
+            <a:avLst/>
+          </a:prstGeom>
+        </p:spPr>
+      </p:pic>
+      <p:sp>
+        <p:nvSpPr>
+          <p:cNvPr id="13" name="TextBox 12">
+            <a:extLst>
+              <a:ext uri="{FF2B5EF4-FFF2-40B4-BE49-F238E27FC236}">
+                <a16:creationId xmlns:a16="http://schemas.microsoft.com/office/drawing/2014/main" id="{D357F800-7CC3-471B-A715-BFDC16D1E5CE}"/>
+              </a:ext>
+            </a:extLst>
+          </p:cNvPr>
+          <p:cNvSpPr txBox="1"/>
+          <p:nvPr/>
+        </p:nvSpPr>
+        <p:spPr>
+          <a:xfrm>
+            <a:off x="530942" y="1582532"/>
+            <a:ext cx="6086167" cy="1107996"/>
+          </a:xfrm>
+          <a:prstGeom prst="rect">
+            <a:avLst/>
+          </a:prstGeom>
+          <a:noFill/>
+        </p:spPr>
+        <p:txBody>
+          <a:bodyPr wrap="square" rtlCol="0">
+            <a:spAutoFit/>
+          </a:bodyPr>
+          <a:lstStyle/>
+          <a:p>
+            <a:r>
+              <a:rPr lang="en-US" sz="2200" dirty="0"/>
+              <a:t>A feature that is used to create an independent, similar copy of the current repository for different usage requirements.</a:t>
+            </a:r>
+            <a:endParaRPr lang="en-IN" sz="2200" dirty="0"/>
+          </a:p>
+        </p:txBody>
+      </p:sp>
+      <p:sp>
+        <p:nvSpPr>
+          <p:cNvPr id="14" name="TextBox 13">
+            <a:extLst>
+              <a:ext uri="{FF2B5EF4-FFF2-40B4-BE49-F238E27FC236}">
+                <a16:creationId xmlns:a16="http://schemas.microsoft.com/office/drawing/2014/main" id="{A25E9E67-913B-46AD-AF65-4AB4617E23F2}"/>
+              </a:ext>
+            </a:extLst>
+          </p:cNvPr>
+          <p:cNvSpPr txBox="1"/>
+          <p:nvPr/>
+        </p:nvSpPr>
+        <p:spPr>
+          <a:xfrm>
+            <a:off x="530941" y="5171085"/>
+            <a:ext cx="6086167" cy="769441"/>
+          </a:xfrm>
+          <a:prstGeom prst="rect">
+            <a:avLst/>
+          </a:prstGeom>
+          <a:noFill/>
+        </p:spPr>
+        <p:txBody>
+          <a:bodyPr wrap="square" rtlCol="0">
+            <a:spAutoFit/>
+          </a:bodyPr>
+          <a:lstStyle/>
+          <a:p>
+            <a:r>
+              <a:rPr lang="en-US" sz="2200" dirty="0"/>
+              <a:t>It allows you to work on multiple things without obstructing the active branch (main branch).</a:t>
+            </a:r>
+            <a:endParaRPr lang="en-IN" sz="2200" dirty="0"/>
+          </a:p>
+        </p:txBody>
+      </p:sp>
+    </p:spTree>
+    <p:extLst>
+      <p:ext uri="{BB962C8B-B14F-4D97-AF65-F5344CB8AC3E}">
+        <p14:creationId xmlns:p14="http://schemas.microsoft.com/office/powerpoint/2010/main" val="441176905"/>
+      </p:ext>
+    </p:extLst>
+  </p:cSld>
+  <p:clrMapOvr>
+    <a:masterClrMapping/>
+  </p:clrMapOvr>
+</p:sld>
+</file>
+
+<file path=ppt/slides/slide8.xml><?xml version="1.0" encoding="utf-8"?>
+<p:sld xmlns:a="http://schemas.openxmlformats.org/drawingml/2006/main" xmlns:r="http://schemas.openxmlformats.org/officeDocument/2006/relationships" xmlns:p="http://schemas.openxmlformats.org/presentationml/2006/main">
+  <p:cSld>
+    <p:spTree>
+      <p:nvGrpSpPr>
+        <p:cNvPr id="1" name=""/>
+        <p:cNvGrpSpPr/>
+        <p:nvPr/>
+      </p:nvGrpSpPr>
+      <p:grpSpPr>
+        <a:xfrm>
+          <a:off x="0" y="0"/>
+          <a:ext cx="0" cy="0"/>
+          <a:chOff x="0" y="0"/>
+          <a:chExt cx="0" cy="0"/>
+        </a:xfrm>
+      </p:grpSpPr>
+      <p:sp>
+        <p:nvSpPr>
+          <p:cNvPr id="2" name="Title 1">
+            <a:extLst>
+              <a:ext uri="{FF2B5EF4-FFF2-40B4-BE49-F238E27FC236}">
+                <a16:creationId xmlns:a16="http://schemas.microsoft.com/office/drawing/2014/main" id="{853A38E9-7DE7-4B01-B5DF-9CEFBEA38E7C}"/>
+              </a:ext>
+            </a:extLst>
+          </p:cNvPr>
+          <p:cNvSpPr>
+            <a:spLocks noGrp="1"/>
+          </p:cNvSpPr>
+          <p:nvPr>
+            <p:ph type="title"/>
+          </p:nvPr>
+        </p:nvSpPr>
+        <p:spPr>
+          <a:xfrm>
+            <a:off x="2267564" y="345460"/>
+            <a:ext cx="7656871" cy="1325563"/>
+          </a:xfrm>
+        </p:spPr>
+        <p:txBody>
+          <a:bodyPr/>
+          <a:lstStyle/>
+          <a:p>
+            <a:r>
+              <a:rPr lang="en-US" b="1" dirty="0"/>
+              <a:t>PULL REQUEST (PR) AND MERGE</a:t>
+            </a:r>
+            <a:endParaRPr lang="en-IN" b="1" dirty="0"/>
+          </a:p>
+        </p:txBody>
+      </p:sp>
+      <p:sp>
+        <p:nvSpPr>
+          <p:cNvPr id="16" name="TextBox 15">
+            <a:extLst>
+              <a:ext uri="{FF2B5EF4-FFF2-40B4-BE49-F238E27FC236}">
+                <a16:creationId xmlns:a16="http://schemas.microsoft.com/office/drawing/2014/main" id="{D5BD5262-5C97-4AA9-8193-DD78EB06935A}"/>
+              </a:ext>
+            </a:extLst>
+          </p:cNvPr>
+          <p:cNvSpPr txBox="1"/>
+          <p:nvPr/>
+        </p:nvSpPr>
+        <p:spPr>
+          <a:xfrm>
+            <a:off x="1081547" y="2644170"/>
+            <a:ext cx="10028903" cy="1569660"/>
+          </a:xfrm>
+          <a:prstGeom prst="rect">
+            <a:avLst/>
+          </a:prstGeom>
+          <a:noFill/>
+        </p:spPr>
+        <p:txBody>
+          <a:bodyPr wrap="square" rtlCol="0">
+            <a:spAutoFit/>
+          </a:bodyPr>
+          <a:lstStyle/>
+          <a:p>
+            <a:pPr marL="342900" indent="-342900">
+              <a:buFont typeface="Arial" panose="020B0604020202020204" pitchFamily="34" charset="0"/>
+              <a:buChar char="•"/>
+            </a:pPr>
+            <a:r>
+              <a:rPr kumimoji="0" lang="en-US" altLang="en-US" sz="2400" b="0" i="0" u="none" strike="noStrike" cap="none" normalizeH="0" baseline="0" dirty="0">
+                <a:ln>
+                  <a:noFill/>
+                </a:ln>
+                <a:solidFill>
+                  <a:schemeClr val="tx1"/>
+                </a:solidFill>
+                <a:effectLst/>
+                <a:latin typeface="Arial" panose="020B0604020202020204" pitchFamily="34" charset="0"/>
+              </a:rPr>
+              <a:t>If someone else has a copy of your </a:t>
+            </a:r>
+            <a:r>
+              <a:rPr lang="en-US" altLang="en-US" sz="2400" dirty="0">
+                <a:latin typeface="Arial" panose="020B0604020202020204" pitchFamily="34" charset="0"/>
+              </a:rPr>
+              <a:t>repository (be it a branch or fork), and makes changes to it that they would like you to incorporate, they can ask you to pull the changes from their repository; they're requesting a pull, hence the term "pull request".</a:t>
+            </a:r>
+          </a:p>
+        </p:txBody>
+      </p:sp>
+    </p:spTree>
+    <p:extLst>
+      <p:ext uri="{BB962C8B-B14F-4D97-AF65-F5344CB8AC3E}">
+        <p14:creationId xmlns:p14="http://schemas.microsoft.com/office/powerpoint/2010/main" val="2706938333"/>
+      </p:ext>
+    </p:extLst>
+  </p:cSld>
+  <p:clrMapOvr>
+    <a:masterClrMapping/>
+  </p:clrMapOvr>
+</p:sld>
+</file>
+
+<file path=ppt/slides/slide9.xml><?xml version="1.0" encoding="utf-8"?>
+<p:sld xmlns:a="http://schemas.openxmlformats.org/drawingml/2006/main" xmlns:r="http://schemas.openxmlformats.org/officeDocument/2006/relationships" xmlns:p="http://schemas.openxmlformats.org/presentationml/2006/main">
+  <p:cSld>
+    <p:spTree>
+      <p:nvGrpSpPr>
+        <p:cNvPr id="1" name=""/>
+        <p:cNvGrpSpPr/>
+        <p:nvPr/>
+      </p:nvGrpSpPr>
+      <p:grpSpPr>
+        <a:xfrm>
+          <a:off x="0" y="0"/>
+          <a:ext cx="0" cy="0"/>
+          <a:chOff x="0" y="0"/>
+          <a:chExt cx="0" cy="0"/>
+        </a:xfrm>
+      </p:grpSpPr>
+      <p:sp>
+        <p:nvSpPr>
+          <p:cNvPr id="2" name="Title 1">
+            <a:extLst>
+              <a:ext uri="{FF2B5EF4-FFF2-40B4-BE49-F238E27FC236}">
+                <a16:creationId xmlns:a16="http://schemas.microsoft.com/office/drawing/2014/main" id="{14C93744-724E-4B5D-8161-D33887E5EDA2}"/>
+              </a:ext>
+            </a:extLst>
+          </p:cNvPr>
+          <p:cNvSpPr>
+            <a:spLocks noGrp="1"/>
+          </p:cNvSpPr>
+          <p:nvPr>
+            <p:ph type="title"/>
+          </p:nvPr>
+        </p:nvSpPr>
+        <p:spPr>
+          <a:xfrm>
+            <a:off x="3707990" y="109486"/>
+            <a:ext cx="4776019" cy="1325563"/>
+          </a:xfrm>
+        </p:spPr>
+        <p:txBody>
+          <a:bodyPr/>
+          <a:lstStyle/>
+          <a:p>
+            <a:r>
+              <a:rPr lang="en-US" b="1" dirty="0"/>
+              <a:t>FORKING A PROJECT</a:t>
+            </a:r>
+            <a:endParaRPr lang="en-IN" b="1" dirty="0"/>
+          </a:p>
+        </p:txBody>
+      </p:sp>
+      <p:sp>
+        <p:nvSpPr>
+          <p:cNvPr id="3" name="Content Placeholder 2">
+            <a:extLst>
+              <a:ext uri="{FF2B5EF4-FFF2-40B4-BE49-F238E27FC236}">
+                <a16:creationId xmlns:a16="http://schemas.microsoft.com/office/drawing/2014/main" id="{AC5E020F-6605-45FC-B820-484CECE38C89}"/>
+              </a:ext>
+            </a:extLst>
+          </p:cNvPr>
+          <p:cNvSpPr>
+            <a:spLocks noGrp="1"/>
+          </p:cNvSpPr>
+          <p:nvPr>
+            <p:ph idx="1"/>
+          </p:nvPr>
+        </p:nvSpPr>
+        <p:spPr>
+          <a:xfrm>
+            <a:off x="1091677" y="1085757"/>
+            <a:ext cx="10515600" cy="2271712"/>
+          </a:xfrm>
+        </p:spPr>
+        <p:txBody>
+          <a:bodyPr>
+            <a:normAutofit/>
+          </a:bodyPr>
+          <a:lstStyle/>
+          <a:p>
+            <a:r>
+              <a:rPr lang="en-US" dirty="0"/>
+              <a:t>“Forking” is when you create a new project based off of another project that already exists.</a:t>
+            </a:r>
+          </a:p>
+          <a:p>
+            <a:r>
+              <a:rPr lang="en-US" dirty="0"/>
+              <a:t>If you find a project on GitHub that you’d like to contribute to, you can fork the repo, make the changes you’d like, and release the revised project as a new repo.</a:t>
+            </a:r>
+            <a:endParaRPr lang="en-IN" b="1" dirty="0"/>
+          </a:p>
+        </p:txBody>
+      </p:sp>
+      <p:sp>
+        <p:nvSpPr>
+          <p:cNvPr id="9" name="Content Placeholder 2">
+            <a:extLst>
+              <a:ext uri="{FF2B5EF4-FFF2-40B4-BE49-F238E27FC236}">
+                <a16:creationId xmlns:a16="http://schemas.microsoft.com/office/drawing/2014/main" id="{24E0B81D-C812-4AD4-9892-07F80F893DC7}"/>
+              </a:ext>
+            </a:extLst>
+          </p:cNvPr>
+          <p:cNvSpPr txBox="1">
+            <a:spLocks/>
+          </p:cNvSpPr>
+          <p:nvPr/>
+        </p:nvSpPr>
+        <p:spPr>
+          <a:xfrm>
+            <a:off x="7243374" y="3699236"/>
+            <a:ext cx="1892711" cy="416129"/>
+          </a:xfrm>
+          <a:prstGeom prst="rect">
+            <a:avLst/>
+          </a:prstGeom>
+        </p:spPr>
+        <p:txBody>
+          <a:bodyPr vert="horz" lIns="91440" tIns="45720" rIns="91440" bIns="45720" rtlCol="0">
+            <a:normAutofit/>
+          </a:bodyPr>
+          <a:lstStyle>
+            <a:lvl1pPr marL="228600" indent="-228600" algn="l" defTabSz="914400" rtl="0" eaLnBrk="1" latinLnBrk="0" hangingPunct="1">
+              <a:lnSpc>
+                <a:spcPct val="90000"/>
+              </a:lnSpc>
+              <a:spcBef>
+                <a:spcPts val="1000"/>
+              </a:spcBef>
+              <a:buFont typeface="Arial" panose="020B0604020202020204" pitchFamily="34" charset="0"/>
+              <a:buChar char="•"/>
+              <a:defRPr sz="2800" kern="1200">
+                <a:solidFill>
+                  <a:schemeClr val="tx1"/>
+                </a:solidFill>
+                <a:latin typeface="+mn-lt"/>
+                <a:ea typeface="+mn-ea"/>
+                <a:cs typeface="+mn-cs"/>
+              </a:defRPr>
+            </a:lvl1pPr>
+            <a:lvl2pPr marL="685800" indent="-228600" algn="l" defTabSz="914400" rtl="0" eaLnBrk="1" latinLnBrk="0" hangingPunct="1">
+              <a:lnSpc>
+                <a:spcPct val="90000"/>
+              </a:lnSpc>
+              <a:spcBef>
+                <a:spcPts val="500"/>
+              </a:spcBef>
+              <a:buFont typeface="Arial" panose="020B0604020202020204" pitchFamily="34" charset="0"/>
+              <a:buChar char="•"/>
+              <a:defRPr sz="2400" kern="1200">
+                <a:solidFill>
+                  <a:schemeClr val="tx1"/>
+                </a:solidFill>
+                <a:latin typeface="+mn-lt"/>
+                <a:ea typeface="+mn-ea"/>
+                <a:cs typeface="+mn-cs"/>
+              </a:defRPr>
+            </a:lvl2pPr>
+            <a:lvl3pPr marL="1143000" indent="-228600" algn="l" defTabSz="914400" rtl="0" eaLnBrk="1" latinLnBrk="0" hangingPunct="1">
+              <a:lnSpc>
+                <a:spcPct val="90000"/>
+              </a:lnSpc>
+              <a:spcBef>
+                <a:spcPts val="500"/>
+              </a:spcBef>
+              <a:buFont typeface="Arial" panose="020B0604020202020204" pitchFamily="34" charset="0"/>
+              <a:buChar char="•"/>
+              <a:defRPr sz="2000" kern="1200">
+                <a:solidFill>
+                  <a:schemeClr val="tx1"/>
+                </a:solidFill>
+                <a:latin typeface="+mn-lt"/>
+                <a:ea typeface="+mn-ea"/>
+                <a:cs typeface="+mn-cs"/>
+              </a:defRPr>
+            </a:lvl3pPr>
+            <a:lvl4pPr marL="1600200" indent="-228600" algn="l" defTabSz="914400" rtl="0" eaLnBrk="1" latinLnBrk="0" hangingPunct="1">
+              <a:lnSpc>
+                <a:spcPct val="90000"/>
+              </a:lnSpc>
+              <a:spcBef>
+                <a:spcPts val="500"/>
+              </a:spcBef>
+              <a:buFont typeface="Arial" panose="020B0604020202020204" pitchFamily="34" charset="0"/>
+              <a:buChar char="•"/>
+              <a:defRPr sz="1800" kern="1200">
+                <a:solidFill>
+                  <a:schemeClr val="tx1"/>
+                </a:solidFill>
+                <a:latin typeface="+mn-lt"/>
+                <a:ea typeface="+mn-ea"/>
+                <a:cs typeface="+mn-cs"/>
+              </a:defRPr>
+            </a:lvl4pPr>
+            <a:lvl5pPr marL="2057400" indent="-228600" algn="l" defTabSz="914400" rtl="0" eaLnBrk="1" latinLnBrk="0" hangingPunct="1">
+              <a:lnSpc>
+                <a:spcPct val="90000"/>
+              </a:lnSpc>
+              <a:spcBef>
+                <a:spcPts val="500"/>
+              </a:spcBef>
+              <a:buFont typeface="Arial" panose="020B0604020202020204" pitchFamily="34" charset="0"/>
+              <a:buChar char="•"/>
+              <a:defRPr sz="1800" kern="1200">
+                <a:solidFill>
+                  <a:schemeClr val="tx1"/>
+                </a:solidFill>
+                <a:latin typeface="+mn-lt"/>
+                <a:ea typeface="+mn-ea"/>
+                <a:cs typeface="+mn-cs"/>
+              </a:defRPr>
+            </a:lvl5pPr>
+            <a:lvl6pPr marL="2514600" indent="-228600" algn="l" defTabSz="914400" rtl="0" eaLnBrk="1" latinLnBrk="0" hangingPunct="1">
+              <a:lnSpc>
+                <a:spcPct val="90000"/>
+              </a:lnSpc>
+              <a:spcBef>
+                <a:spcPts val="500"/>
+              </a:spcBef>
+              <a:buFont typeface="Arial" panose="020B0604020202020204" pitchFamily="34" charset="0"/>
+              <a:buChar char="•"/>
+              <a:defRPr sz="1800" kern="1200">
+                <a:solidFill>
+                  <a:schemeClr val="tx1"/>
+                </a:solidFill>
+                <a:latin typeface="+mn-lt"/>
+                <a:ea typeface="+mn-ea"/>
+                <a:cs typeface="+mn-cs"/>
+              </a:defRPr>
+            </a:lvl6pPr>
+            <a:lvl7pPr marL="2971800" indent="-228600" algn="l" defTabSz="914400" rtl="0" eaLnBrk="1" latinLnBrk="0" hangingPunct="1">
+              <a:lnSpc>
+                <a:spcPct val="90000"/>
+              </a:lnSpc>
+              <a:spcBef>
+                <a:spcPts val="500"/>
+              </a:spcBef>
+              <a:buFont typeface="Arial" panose="020B0604020202020204" pitchFamily="34" charset="0"/>
+              <a:buChar char="•"/>
+              <a:defRPr sz="1800" kern="1200">
+                <a:solidFill>
+                  <a:schemeClr val="tx1"/>
+                </a:solidFill>
+                <a:latin typeface="+mn-lt"/>
+                <a:ea typeface="+mn-ea"/>
+                <a:cs typeface="+mn-cs"/>
+              </a:defRPr>
+            </a:lvl7pPr>
+            <a:lvl8pPr marL="3429000" indent="-228600" algn="l" defTabSz="914400" rtl="0" eaLnBrk="1" latinLnBrk="0" hangingPunct="1">
+              <a:lnSpc>
+                <a:spcPct val="90000"/>
+              </a:lnSpc>
+              <a:spcBef>
+                <a:spcPts val="500"/>
+              </a:spcBef>
+              <a:buFont typeface="Arial" panose="020B0604020202020204" pitchFamily="34" charset="0"/>
+              <a:buChar char="•"/>
+              <a:defRPr sz="1800" kern="1200">
+                <a:solidFill>
+                  <a:schemeClr val="tx1"/>
+                </a:solidFill>
+                <a:latin typeface="+mn-lt"/>
+                <a:ea typeface="+mn-ea"/>
+                <a:cs typeface="+mn-cs"/>
+              </a:defRPr>
+            </a:lvl8pPr>
+            <a:lvl9pPr marL="3886200" indent="-228600" algn="l" defTabSz="914400" rtl="0" eaLnBrk="1" latinLnBrk="0" hangingPunct="1">
+              <a:lnSpc>
+                <a:spcPct val="90000"/>
+              </a:lnSpc>
+              <a:spcBef>
+                <a:spcPts val="500"/>
+              </a:spcBef>
+              <a:buFont typeface="Arial" panose="020B0604020202020204" pitchFamily="34" charset="0"/>
+              <a:buChar char="•"/>
+              <a:defRPr sz="1800" kern="1200">
+                <a:solidFill>
+                  <a:schemeClr val="tx1"/>
+                </a:solidFill>
+                <a:latin typeface="+mn-lt"/>
+                <a:ea typeface="+mn-ea"/>
+                <a:cs typeface="+mn-cs"/>
+              </a:defRPr>
+            </a:lvl9pPr>
+          </a:lstStyle>
+          <a:p>
+            <a:pPr marL="0" indent="0">
+              <a:buFont typeface="Arial" panose="020B0604020202020204" pitchFamily="34" charset="0"/>
+              <a:buNone/>
+            </a:pPr>
+            <a:r>
+              <a:rPr lang="en-US" sz="2000" dirty="0"/>
+              <a:t>rahulsharma123</a:t>
+            </a:r>
+            <a:endParaRPr lang="en-IN" sz="2000" dirty="0"/>
+          </a:p>
+        </p:txBody>
+      </p:sp>
+      <p:pic>
+        <p:nvPicPr>
+          <p:cNvPr id="10" name="Picture 9">
+            <a:extLst>
+              <a:ext uri="{FF2B5EF4-FFF2-40B4-BE49-F238E27FC236}">
+                <a16:creationId xmlns:a16="http://schemas.microsoft.com/office/drawing/2014/main" id="{A562C78B-EB1B-418E-9323-B1CF91B6BB48}"/>
+              </a:ext>
+            </a:extLst>
+          </p:cNvPr>
+          <p:cNvPicPr>
+            <a:picLocks noChangeAspect="1"/>
+          </p:cNvPicPr>
+          <p:nvPr/>
+        </p:nvPicPr>
+        <p:blipFill rotWithShape="1">
+          <a:blip r:embed="rId2">
+            <a:extLst>
+              <a:ext uri="{28A0092B-C50C-407E-A947-70E740481C1C}">
+                <a14:useLocalDpi xmlns:a14="http://schemas.microsoft.com/office/drawing/2010/main" val="0"/>
+              </a:ext>
+            </a:extLst>
+          </a:blip>
+          <a:srcRect t="10402" b="11057"/>
+          <a:stretch/>
+        </p:blipFill>
+        <p:spPr>
+          <a:xfrm rot="5400000">
+            <a:off x="6929375" y="4771852"/>
+            <a:ext cx="2424044" cy="975537"/>
+          </a:xfrm>
+          <a:prstGeom prst="rect">
+            <a:avLst/>
+          </a:prstGeom>
+        </p:spPr>
+      </p:pic>
+      <p:pic>
+        <p:nvPicPr>
+          <p:cNvPr id="11" name="Picture 10">
+            <a:extLst>
+              <a:ext uri="{FF2B5EF4-FFF2-40B4-BE49-F238E27FC236}">
+                <a16:creationId xmlns:a16="http://schemas.microsoft.com/office/drawing/2014/main" id="{5823718A-DF46-4E47-8E04-260FFF93F871}"/>
+              </a:ext>
+            </a:extLst>
+          </p:cNvPr>
+          <p:cNvPicPr>
+            <a:picLocks noChangeAspect="1"/>
+          </p:cNvPicPr>
+          <p:nvPr/>
+        </p:nvPicPr>
+        <p:blipFill>
+          <a:blip r:embed="rId3"/>
+          <a:stretch>
+            <a:fillRect/>
+          </a:stretch>
+        </p:blipFill>
+        <p:spPr>
+          <a:xfrm>
+            <a:off x="7789489" y="4047598"/>
+            <a:ext cx="213969" cy="559081"/>
+          </a:xfrm>
+          <a:prstGeom prst="rect">
+            <a:avLst/>
+          </a:prstGeom>
+        </p:spPr>
+      </p:pic>
+      <p:sp>
+        <p:nvSpPr>
+          <p:cNvPr id="12" name="Arrow: Right 11">
+            <a:extLst>
+              <a:ext uri="{FF2B5EF4-FFF2-40B4-BE49-F238E27FC236}">
+                <a16:creationId xmlns:a16="http://schemas.microsoft.com/office/drawing/2014/main" id="{088529A9-F962-4395-80ED-830E792A4A3A}"/>
+              </a:ext>
+            </a:extLst>
+          </p:cNvPr>
+          <p:cNvSpPr/>
+          <p:nvPr/>
+        </p:nvSpPr>
+        <p:spPr>
+          <a:xfrm>
+            <a:off x="5025661" y="5259620"/>
+            <a:ext cx="2140677" cy="648929"/>
+          </a:xfrm>
+          <a:prstGeom prst="rightArrow">
+            <a:avLst/>
+          </a:prstGeom>
+        </p:spPr>
+        <p:style>
+          <a:lnRef idx="2">
+            <a:schemeClr val="accent1">
+              <a:shade val="50000"/>
+            </a:schemeClr>
+          </a:lnRef>
+          <a:fillRef idx="1">
+            <a:schemeClr val="accent1"/>
+          </a:fillRef>
+          <a:effectRef idx="0">
+            <a:schemeClr val="accent1"/>
+          </a:effectRef>
+          <a:fontRef idx="minor">
+            <a:schemeClr val="lt1"/>
+          </a:fontRef>
+        </p:style>
+        <p:txBody>
+          <a:bodyPr rtlCol="0" anchor="ctr"/>
+          <a:lstStyle/>
+          <a:p>
+            <a:pPr algn="ctr"/>
+            <a:endParaRPr lang="en-IN"/>
+          </a:p>
+        </p:txBody>
+      </p:sp>
+      <p:sp>
+        <p:nvSpPr>
+          <p:cNvPr id="13" name="TextBox 12">
+            <a:extLst>
+              <a:ext uri="{FF2B5EF4-FFF2-40B4-BE49-F238E27FC236}">
+                <a16:creationId xmlns:a16="http://schemas.microsoft.com/office/drawing/2014/main" id="{C85C5301-2317-4005-94DA-3DE8F404AABD}"/>
+              </a:ext>
+            </a:extLst>
+          </p:cNvPr>
+          <p:cNvSpPr txBox="1"/>
+          <p:nvPr/>
+        </p:nvSpPr>
+        <p:spPr>
+          <a:xfrm>
+            <a:off x="5602225" y="4994149"/>
+            <a:ext cx="747252" cy="369332"/>
+          </a:xfrm>
+          <a:prstGeom prst="rect">
+            <a:avLst/>
+          </a:prstGeom>
+          <a:noFill/>
+        </p:spPr>
+        <p:txBody>
+          <a:bodyPr wrap="square" rtlCol="0">
+            <a:spAutoFit/>
+          </a:bodyPr>
+          <a:lstStyle/>
+          <a:p>
+            <a:r>
+              <a:rPr lang="en-US" dirty="0"/>
+              <a:t>FORK</a:t>
+            </a:r>
+            <a:endParaRPr lang="en-IN" dirty="0"/>
+          </a:p>
+        </p:txBody>
+      </p:sp>
+      <p:sp>
+        <p:nvSpPr>
+          <p:cNvPr id="14" name="Content Placeholder 2">
+            <a:extLst>
+              <a:ext uri="{FF2B5EF4-FFF2-40B4-BE49-F238E27FC236}">
+                <a16:creationId xmlns:a16="http://schemas.microsoft.com/office/drawing/2014/main" id="{BB8F81BF-0F94-4099-ABFE-5F4384B5E27B}"/>
+              </a:ext>
+            </a:extLst>
+          </p:cNvPr>
+          <p:cNvSpPr txBox="1">
+            <a:spLocks/>
+          </p:cNvSpPr>
+          <p:nvPr/>
+        </p:nvSpPr>
+        <p:spPr>
+          <a:xfrm>
+            <a:off x="2853590" y="3699236"/>
+            <a:ext cx="2411591" cy="416129"/>
+          </a:xfrm>
+          <a:prstGeom prst="rect">
+            <a:avLst/>
+          </a:prstGeom>
+        </p:spPr>
+        <p:txBody>
+          <a:bodyPr vert="horz" lIns="91440" tIns="45720" rIns="91440" bIns="45720" rtlCol="0">
+            <a:normAutofit/>
+          </a:bodyPr>
+          <a:lstStyle>
+            <a:lvl1pPr marL="228600" indent="-228600" algn="l" defTabSz="914400" rtl="0" eaLnBrk="1" latinLnBrk="0" hangingPunct="1">
+              <a:lnSpc>
+                <a:spcPct val="90000"/>
+              </a:lnSpc>
+              <a:spcBef>
+                <a:spcPts val="1000"/>
+              </a:spcBef>
+              <a:buFont typeface="Arial" panose="020B0604020202020204" pitchFamily="34" charset="0"/>
+              <a:buChar char="•"/>
+              <a:defRPr sz="2800" kern="1200">
+                <a:solidFill>
+                  <a:schemeClr val="tx1"/>
+                </a:solidFill>
+                <a:latin typeface="+mn-lt"/>
+                <a:ea typeface="+mn-ea"/>
+                <a:cs typeface="+mn-cs"/>
+              </a:defRPr>
+            </a:lvl1pPr>
+            <a:lvl2pPr marL="685800" indent="-228600" algn="l" defTabSz="914400" rtl="0" eaLnBrk="1" latinLnBrk="0" hangingPunct="1">
+              <a:lnSpc>
+                <a:spcPct val="90000"/>
+              </a:lnSpc>
+              <a:spcBef>
+                <a:spcPts val="500"/>
+              </a:spcBef>
+              <a:buFont typeface="Arial" panose="020B0604020202020204" pitchFamily="34" charset="0"/>
+              <a:buChar char="•"/>
+              <a:defRPr sz="2400" kern="1200">
+                <a:solidFill>
+                  <a:schemeClr val="tx1"/>
+                </a:solidFill>
+                <a:latin typeface="+mn-lt"/>
+                <a:ea typeface="+mn-ea"/>
+                <a:cs typeface="+mn-cs"/>
+              </a:defRPr>
+            </a:lvl2pPr>
+            <a:lvl3pPr marL="1143000" indent="-228600" algn="l" defTabSz="914400" rtl="0" eaLnBrk="1" latinLnBrk="0" hangingPunct="1">
+              <a:lnSpc>
+                <a:spcPct val="90000"/>
+              </a:lnSpc>
+              <a:spcBef>
+                <a:spcPts val="500"/>
+              </a:spcBef>
+              <a:buFont typeface="Arial" panose="020B0604020202020204" pitchFamily="34" charset="0"/>
+              <a:buChar char="•"/>
+              <a:defRPr sz="2000" kern="1200">
+                <a:solidFill>
+                  <a:schemeClr val="tx1"/>
+                </a:solidFill>
+                <a:latin typeface="+mn-lt"/>
+                <a:ea typeface="+mn-ea"/>
+                <a:cs typeface="+mn-cs"/>
+              </a:defRPr>
+            </a:lvl3pPr>
+            <a:lvl4pPr marL="1600200" indent="-228600" algn="l" defTabSz="914400" rtl="0" eaLnBrk="1" latinLnBrk="0" hangingPunct="1">
+              <a:lnSpc>
+                <a:spcPct val="90000"/>
+              </a:lnSpc>
+              <a:spcBef>
+                <a:spcPts val="500"/>
+              </a:spcBef>
+              <a:buFont typeface="Arial" panose="020B0604020202020204" pitchFamily="34" charset="0"/>
+              <a:buChar char="•"/>
+              <a:defRPr sz="1800" kern="1200">
+                <a:solidFill>
+                  <a:schemeClr val="tx1"/>
+                </a:solidFill>
+                <a:latin typeface="+mn-lt"/>
+                <a:ea typeface="+mn-ea"/>
+                <a:cs typeface="+mn-cs"/>
+              </a:defRPr>
+            </a:lvl4pPr>
+            <a:lvl5pPr marL="2057400" indent="-228600" algn="l" defTabSz="914400" rtl="0" eaLnBrk="1" latinLnBrk="0" hangingPunct="1">
+              <a:lnSpc>
+                <a:spcPct val="90000"/>
+              </a:lnSpc>
+              <a:spcBef>
+                <a:spcPts val="500"/>
+              </a:spcBef>
+              <a:buFont typeface="Arial" panose="020B0604020202020204" pitchFamily="34" charset="0"/>
+              <a:buChar char="•"/>
+              <a:defRPr sz="1800" kern="1200">
+                <a:solidFill>
+                  <a:schemeClr val="tx1"/>
+                </a:solidFill>
+                <a:latin typeface="+mn-lt"/>
+                <a:ea typeface="+mn-ea"/>
+                <a:cs typeface="+mn-cs"/>
+              </a:defRPr>
+            </a:lvl5pPr>
+            <a:lvl6pPr marL="2514600" indent="-228600" algn="l" defTabSz="914400" rtl="0" eaLnBrk="1" latinLnBrk="0" hangingPunct="1">
+              <a:lnSpc>
+                <a:spcPct val="90000"/>
+              </a:lnSpc>
+              <a:spcBef>
+                <a:spcPts val="500"/>
+              </a:spcBef>
+              <a:buFont typeface="Arial" panose="020B0604020202020204" pitchFamily="34" charset="0"/>
+              <a:buChar char="•"/>
+              <a:defRPr sz="1800" kern="1200">
+                <a:solidFill>
+                  <a:schemeClr val="tx1"/>
+                </a:solidFill>
+                <a:latin typeface="+mn-lt"/>
+                <a:ea typeface="+mn-ea"/>
+                <a:cs typeface="+mn-cs"/>
+              </a:defRPr>
+            </a:lvl6pPr>
+            <a:lvl7pPr marL="2971800" indent="-228600" algn="l" defTabSz="914400" rtl="0" eaLnBrk="1" latinLnBrk="0" hangingPunct="1">
+              <a:lnSpc>
+                <a:spcPct val="90000"/>
+              </a:lnSpc>
+              <a:spcBef>
+                <a:spcPts val="500"/>
+              </a:spcBef>
+              <a:buFont typeface="Arial" panose="020B0604020202020204" pitchFamily="34" charset="0"/>
+              <a:buChar char="•"/>
+              <a:defRPr sz="1800" kern="1200">
+                <a:solidFill>
+                  <a:schemeClr val="tx1"/>
+                </a:solidFill>
+                <a:latin typeface="+mn-lt"/>
+                <a:ea typeface="+mn-ea"/>
+                <a:cs typeface="+mn-cs"/>
+              </a:defRPr>
+            </a:lvl7pPr>
+            <a:lvl8pPr marL="3429000" indent="-228600" algn="l" defTabSz="914400" rtl="0" eaLnBrk="1" latinLnBrk="0" hangingPunct="1">
+              <a:lnSpc>
+                <a:spcPct val="90000"/>
+              </a:lnSpc>
+              <a:spcBef>
+                <a:spcPts val="500"/>
+              </a:spcBef>
+              <a:buFont typeface="Arial" panose="020B0604020202020204" pitchFamily="34" charset="0"/>
+              <a:buChar char="•"/>
+              <a:defRPr sz="1800" kern="1200">
+                <a:solidFill>
+                  <a:schemeClr val="tx1"/>
+                </a:solidFill>
+                <a:latin typeface="+mn-lt"/>
+                <a:ea typeface="+mn-ea"/>
+                <a:cs typeface="+mn-cs"/>
+              </a:defRPr>
+            </a:lvl8pPr>
+            <a:lvl9pPr marL="3886200" indent="-228600" algn="l" defTabSz="914400" rtl="0" eaLnBrk="1" latinLnBrk="0" hangingPunct="1">
+              <a:lnSpc>
+                <a:spcPct val="90000"/>
+              </a:lnSpc>
+              <a:spcBef>
+                <a:spcPts val="500"/>
+              </a:spcBef>
+              <a:buFont typeface="Arial" panose="020B0604020202020204" pitchFamily="34" charset="0"/>
+              <a:buChar char="•"/>
+              <a:defRPr sz="1800" kern="1200">
+                <a:solidFill>
+                  <a:schemeClr val="tx1"/>
+                </a:solidFill>
+                <a:latin typeface="+mn-lt"/>
+                <a:ea typeface="+mn-ea"/>
+                <a:cs typeface="+mn-cs"/>
+              </a:defRPr>
+            </a:lvl9pPr>
+          </a:lstStyle>
+          <a:p>
+            <a:pPr marL="0" indent="0">
+              <a:buFont typeface="Arial" panose="020B0604020202020204" pitchFamily="34" charset="0"/>
+              <a:buNone/>
+            </a:pPr>
+            <a:r>
+              <a:rPr lang="en-US" sz="2000" dirty="0"/>
+              <a:t>piyushsharma220699</a:t>
+            </a:r>
+            <a:endParaRPr lang="en-IN" sz="2000" dirty="0"/>
+          </a:p>
+        </p:txBody>
+      </p:sp>
+      <p:pic>
+        <p:nvPicPr>
+          <p:cNvPr id="15" name="Picture 14">
+            <a:extLst>
+              <a:ext uri="{FF2B5EF4-FFF2-40B4-BE49-F238E27FC236}">
+                <a16:creationId xmlns:a16="http://schemas.microsoft.com/office/drawing/2014/main" id="{2CEFD23C-5265-44E3-9F97-82B126CD7C26}"/>
+              </a:ext>
+            </a:extLst>
+          </p:cNvPr>
+          <p:cNvPicPr>
+            <a:picLocks noChangeAspect="1"/>
+          </p:cNvPicPr>
+          <p:nvPr/>
+        </p:nvPicPr>
+        <p:blipFill rotWithShape="1">
+          <a:blip r:embed="rId2">
+            <a:extLst>
+              <a:ext uri="{28A0092B-C50C-407E-A947-70E740481C1C}">
+                <a14:useLocalDpi xmlns:a14="http://schemas.microsoft.com/office/drawing/2010/main" val="0"/>
+              </a:ext>
+            </a:extLst>
+          </a:blip>
+          <a:srcRect t="10402" b="11057"/>
+          <a:stretch/>
+        </p:blipFill>
+        <p:spPr>
+          <a:xfrm rot="5400000">
+            <a:off x="2623159" y="4875713"/>
+            <a:ext cx="2424044" cy="975537"/>
+          </a:xfrm>
+          <a:prstGeom prst="rect">
+            <a:avLst/>
+          </a:prstGeom>
+        </p:spPr>
+      </p:pic>
+      <p:pic>
+        <p:nvPicPr>
+          <p:cNvPr id="16" name="Picture 15">
+            <a:extLst>
+              <a:ext uri="{FF2B5EF4-FFF2-40B4-BE49-F238E27FC236}">
+                <a16:creationId xmlns:a16="http://schemas.microsoft.com/office/drawing/2014/main" id="{AD51CCDD-4E29-4B56-B151-D89F4A5BD352}"/>
+              </a:ext>
+            </a:extLst>
+          </p:cNvPr>
+          <p:cNvPicPr>
+            <a:picLocks noChangeAspect="1"/>
+          </p:cNvPicPr>
+          <p:nvPr/>
+        </p:nvPicPr>
+        <p:blipFill>
+          <a:blip r:embed="rId3"/>
+          <a:stretch>
+            <a:fillRect/>
+          </a:stretch>
+        </p:blipFill>
+        <p:spPr>
+          <a:xfrm>
+            <a:off x="3483273" y="4151459"/>
+            <a:ext cx="213969" cy="559081"/>
+          </a:xfrm>
+          <a:prstGeom prst="rect">
+            <a:avLst/>
+          </a:prstGeom>
+        </p:spPr>
+      </p:pic>
+      <p:sp>
+        <p:nvSpPr>
+          <p:cNvPr id="17" name="Rectangle 16">
+            <a:extLst>
+              <a:ext uri="{FF2B5EF4-FFF2-40B4-BE49-F238E27FC236}">
+                <a16:creationId xmlns:a16="http://schemas.microsoft.com/office/drawing/2014/main" id="{E9F28180-4732-4686-883F-70594D9C284C}"/>
+              </a:ext>
+            </a:extLst>
+          </p:cNvPr>
+          <p:cNvSpPr/>
+          <p:nvPr/>
+        </p:nvSpPr>
+        <p:spPr>
+          <a:xfrm>
+            <a:off x="1816806" y="3298626"/>
+            <a:ext cx="8318090" cy="3391045"/>
+          </a:xfrm>
+          <a:prstGeom prst="rect">
+            <a:avLst/>
+          </a:prstGeom>
+          <a:noFill/>
+          <a:ln w="9525" cap="flat" cmpd="sng" algn="ctr">
+            <a:solidFill>
+              <a:schemeClr val="tx1"/>
+            </a:solidFill>
+            <a:prstDash val="solid"/>
+            <a:round/>
+            <a:headEnd type="none" w="med" len="med"/>
+            <a:tailEnd type="none" w="med" len="med"/>
+          </a:ln>
+        </p:spPr>
+        <p:style>
+          <a:lnRef idx="0">
+            <a:scrgbClr r="0" g="0" b="0"/>
+          </a:lnRef>
+          <a:fillRef idx="0">
+            <a:scrgbClr r="0" g="0" b="0"/>
+          </a:fillRef>
+          <a:effectRef idx="0">
+            <a:scrgbClr r="0" g="0" b="0"/>
+          </a:effectRef>
+          <a:fontRef idx="minor">
+            <a:schemeClr val="accent6"/>
+          </a:fontRef>
+        </p:style>
+        <p:txBody>
+          <a:bodyPr rtlCol="0" anchor="ctr"/>
+          <a:lstStyle/>
+          <a:p>
+            <a:pPr algn="ctr"/>
+            <a:endParaRPr lang="en-IN"/>
+          </a:p>
+        </p:txBody>
+      </p:sp>
+      <p:pic>
+        <p:nvPicPr>
+          <p:cNvPr id="18" name="Picture 17">
+            <a:extLst>
+              <a:ext uri="{FF2B5EF4-FFF2-40B4-BE49-F238E27FC236}">
+                <a16:creationId xmlns:a16="http://schemas.microsoft.com/office/drawing/2014/main" id="{423B2A7B-2AEB-4F44-AFB6-AFC091DE490C}"/>
+              </a:ext>
+            </a:extLst>
+          </p:cNvPr>
+          <p:cNvPicPr>
+            <a:picLocks noChangeAspect="1"/>
+          </p:cNvPicPr>
+          <p:nvPr/>
+        </p:nvPicPr>
+        <p:blipFill>
+          <a:blip r:embed="rId4">
+            <a:extLst>
+              <a:ext uri="{28A0092B-C50C-407E-A947-70E740481C1C}">
+                <a14:useLocalDpi xmlns:a14="http://schemas.microsoft.com/office/drawing/2010/main" val="0"/>
+              </a:ext>
+            </a:extLst>
+          </a:blip>
+          <a:stretch>
+            <a:fillRect/>
+          </a:stretch>
+        </p:blipFill>
+        <p:spPr>
+          <a:xfrm>
+            <a:off x="297120" y="247139"/>
+            <a:ext cx="1551345" cy="647814"/>
+          </a:xfrm>
+          <a:prstGeom prst="rect">
+            <a:avLst/>
+          </a:prstGeom>
+        </p:spPr>
+      </p:pic>
+      <p:pic>
+        <p:nvPicPr>
+          <p:cNvPr id="19" name="Picture 18">
+            <a:extLst>
+              <a:ext uri="{FF2B5EF4-FFF2-40B4-BE49-F238E27FC236}">
+                <a16:creationId xmlns:a16="http://schemas.microsoft.com/office/drawing/2014/main" id="{682413B2-5176-439C-ADBD-640D7074D27F}"/>
+              </a:ext>
+            </a:extLst>
+          </p:cNvPr>
+          <p:cNvPicPr>
+            <a:picLocks noChangeAspect="1"/>
+          </p:cNvPicPr>
+          <p:nvPr/>
+        </p:nvPicPr>
+        <p:blipFill>
+          <a:blip r:embed="rId5"/>
+          <a:stretch>
+            <a:fillRect/>
+          </a:stretch>
+        </p:blipFill>
+        <p:spPr>
+          <a:xfrm>
+            <a:off x="10778739" y="0"/>
+            <a:ext cx="1413261" cy="1406013"/>
           </a:xfrm>
           <a:prstGeom prst="rect">
             <a:avLst/>
@@ -4580,7 +5952,7 @@
     </p:spTree>
     <p:extLst>
       <p:ext uri="{BB962C8B-B14F-4D97-AF65-F5344CB8AC3E}">
-        <p14:creationId xmlns:p14="http://schemas.microsoft.com/office/powerpoint/2010/main" val="1793930216"/>
+        <p14:creationId xmlns:p14="http://schemas.microsoft.com/office/powerpoint/2010/main" val="1222504848"/>
       </p:ext>
     </p:extLst>
   </p:cSld>

--- a/GitHub.pptx
+++ b/GitHub.pptx
@@ -12,8 +12,8 @@
     <p:sldId id="262" r:id="rId6"/>
     <p:sldId id="263" r:id="rId7"/>
     <p:sldId id="260" r:id="rId8"/>
-    <p:sldId id="264" r:id="rId9"/>
-    <p:sldId id="266" r:id="rId10"/>
+    <p:sldId id="266" r:id="rId9"/>
+    <p:sldId id="264" r:id="rId10"/>
     <p:sldId id="259" r:id="rId11"/>
     <p:sldId id="265" r:id="rId12"/>
   </p:sldIdLst>
@@ -3550,8 +3550,8 @@
         </p:nvSpPr>
         <p:spPr>
           <a:xfrm>
-            <a:off x="2627671" y="2396613"/>
-            <a:ext cx="6936658" cy="2064774"/>
+            <a:off x="1662880" y="2396613"/>
+            <a:ext cx="8866239" cy="2064774"/>
           </a:xfrm>
         </p:spPr>
         <p:txBody>
@@ -3562,7 +3562,7 @@
           <a:p>
             <a:r>
               <a:rPr lang="en-US" sz="10000" b="1" dirty="0"/>
-              <a:t>IT’S A WRAP!</a:t>
+              <a:t>DOUBT SESSION!</a:t>
             </a:r>
             <a:endParaRPr lang="en-IN" sz="10000" b="1" dirty="0"/>
           </a:p>
@@ -4999,124 +4999,6 @@
 </file>
 
 <file path=ppt/slides/slide8.xml><?xml version="1.0" encoding="utf-8"?>
-<p:sld xmlns:a="http://schemas.openxmlformats.org/drawingml/2006/main" xmlns:r="http://schemas.openxmlformats.org/officeDocument/2006/relationships" xmlns:p="http://schemas.openxmlformats.org/presentationml/2006/main">
-  <p:cSld>
-    <p:spTree>
-      <p:nvGrpSpPr>
-        <p:cNvPr id="1" name=""/>
-        <p:cNvGrpSpPr/>
-        <p:nvPr/>
-      </p:nvGrpSpPr>
-      <p:grpSpPr>
-        <a:xfrm>
-          <a:off x="0" y="0"/>
-          <a:ext cx="0" cy="0"/>
-          <a:chOff x="0" y="0"/>
-          <a:chExt cx="0" cy="0"/>
-        </a:xfrm>
-      </p:grpSpPr>
-      <p:sp>
-        <p:nvSpPr>
-          <p:cNvPr id="2" name="Title 1">
-            <a:extLst>
-              <a:ext uri="{FF2B5EF4-FFF2-40B4-BE49-F238E27FC236}">
-                <a16:creationId xmlns:a16="http://schemas.microsoft.com/office/drawing/2014/main" id="{853A38E9-7DE7-4B01-B5DF-9CEFBEA38E7C}"/>
-              </a:ext>
-            </a:extLst>
-          </p:cNvPr>
-          <p:cNvSpPr>
-            <a:spLocks noGrp="1"/>
-          </p:cNvSpPr>
-          <p:nvPr>
-            <p:ph type="title"/>
-          </p:nvPr>
-        </p:nvSpPr>
-        <p:spPr>
-          <a:xfrm>
-            <a:off x="2267564" y="345460"/>
-            <a:ext cx="7656871" cy="1325563"/>
-          </a:xfrm>
-        </p:spPr>
-        <p:txBody>
-          <a:bodyPr/>
-          <a:lstStyle/>
-          <a:p>
-            <a:r>
-              <a:rPr lang="en-US" b="1" dirty="0"/>
-              <a:t>PULL REQUEST (PR) AND MERGE</a:t>
-            </a:r>
-            <a:endParaRPr lang="en-IN" b="1" dirty="0"/>
-          </a:p>
-        </p:txBody>
-      </p:sp>
-      <p:sp>
-        <p:nvSpPr>
-          <p:cNvPr id="16" name="TextBox 15">
-            <a:extLst>
-              <a:ext uri="{FF2B5EF4-FFF2-40B4-BE49-F238E27FC236}">
-                <a16:creationId xmlns:a16="http://schemas.microsoft.com/office/drawing/2014/main" id="{D5BD5262-5C97-4AA9-8193-DD78EB06935A}"/>
-              </a:ext>
-            </a:extLst>
-          </p:cNvPr>
-          <p:cNvSpPr txBox="1"/>
-          <p:nvPr/>
-        </p:nvSpPr>
-        <p:spPr>
-          <a:xfrm>
-            <a:off x="1081547" y="2644170"/>
-            <a:ext cx="10028903" cy="1569660"/>
-          </a:xfrm>
-          <a:prstGeom prst="rect">
-            <a:avLst/>
-          </a:prstGeom>
-          <a:noFill/>
-        </p:spPr>
-        <p:txBody>
-          <a:bodyPr wrap="square" rtlCol="0">
-            <a:spAutoFit/>
-          </a:bodyPr>
-          <a:lstStyle/>
-          <a:p>
-            <a:pPr marL="342900" indent="-342900">
-              <a:buFont typeface="Arial" panose="020B0604020202020204" pitchFamily="34" charset="0"/>
-              <a:buChar char="•"/>
-            </a:pPr>
-            <a:r>
-              <a:rPr kumimoji="0" lang="en-US" altLang="en-US" sz="2400" b="0" i="0" u="none" strike="noStrike" cap="none" normalizeH="0" baseline="0" dirty="0">
-                <a:ln>
-                  <a:noFill/>
-                </a:ln>
-                <a:solidFill>
-                  <a:schemeClr val="tx1"/>
-                </a:solidFill>
-                <a:effectLst/>
-                <a:latin typeface="Arial" panose="020B0604020202020204" pitchFamily="34" charset="0"/>
-              </a:rPr>
-              <a:t>If someone else has a copy of your </a:t>
-            </a:r>
-            <a:r>
-              <a:rPr lang="en-US" altLang="en-US" sz="2400" dirty="0">
-                <a:latin typeface="Arial" panose="020B0604020202020204" pitchFamily="34" charset="0"/>
-              </a:rPr>
-              <a:t>repository (be it a branch or fork), and makes changes to it that they would like you to incorporate, they can ask you to pull the changes from their repository; they're requesting a pull, hence the term "pull request".</a:t>
-            </a:r>
-          </a:p>
-        </p:txBody>
-      </p:sp>
-    </p:spTree>
-    <p:extLst>
-      <p:ext uri="{BB962C8B-B14F-4D97-AF65-F5344CB8AC3E}">
-        <p14:creationId xmlns:p14="http://schemas.microsoft.com/office/powerpoint/2010/main" val="2706938333"/>
-      </p:ext>
-    </p:extLst>
-  </p:cSld>
-  <p:clrMapOvr>
-    <a:masterClrMapping/>
-  </p:clrMapOvr>
-</p:sld>
-</file>
-
-<file path=ppt/slides/slide9.xml><?xml version="1.0" encoding="utf-8"?>
 <p:sld xmlns:a="http://schemas.openxmlformats.org/drawingml/2006/main" xmlns:r="http://schemas.openxmlformats.org/officeDocument/2006/relationships" xmlns:p="http://schemas.openxmlformats.org/presentationml/2006/main">
   <p:cSld>
     <p:spTree>
@@ -5953,6 +5835,220 @@
     <p:extLst>
       <p:ext uri="{BB962C8B-B14F-4D97-AF65-F5344CB8AC3E}">
         <p14:creationId xmlns:p14="http://schemas.microsoft.com/office/powerpoint/2010/main" val="1222504848"/>
+      </p:ext>
+    </p:extLst>
+  </p:cSld>
+  <p:clrMapOvr>
+    <a:masterClrMapping/>
+  </p:clrMapOvr>
+</p:sld>
+</file>
+
+<file path=ppt/slides/slide9.xml><?xml version="1.0" encoding="utf-8"?>
+<p:sld xmlns:a="http://schemas.openxmlformats.org/drawingml/2006/main" xmlns:r="http://schemas.openxmlformats.org/officeDocument/2006/relationships" xmlns:p="http://schemas.openxmlformats.org/presentationml/2006/main">
+  <p:cSld>
+    <p:spTree>
+      <p:nvGrpSpPr>
+        <p:cNvPr id="1" name=""/>
+        <p:cNvGrpSpPr/>
+        <p:nvPr/>
+      </p:nvGrpSpPr>
+      <p:grpSpPr>
+        <a:xfrm>
+          <a:off x="0" y="0"/>
+          <a:ext cx="0" cy="0"/>
+          <a:chOff x="0" y="0"/>
+          <a:chExt cx="0" cy="0"/>
+        </a:xfrm>
+      </p:grpSpPr>
+      <p:sp>
+        <p:nvSpPr>
+          <p:cNvPr id="2" name="Title 1">
+            <a:extLst>
+              <a:ext uri="{FF2B5EF4-FFF2-40B4-BE49-F238E27FC236}">
+                <a16:creationId xmlns:a16="http://schemas.microsoft.com/office/drawing/2014/main" id="{853A38E9-7DE7-4B01-B5DF-9CEFBEA38E7C}"/>
+              </a:ext>
+            </a:extLst>
+          </p:cNvPr>
+          <p:cNvSpPr>
+            <a:spLocks noGrp="1"/>
+          </p:cNvSpPr>
+          <p:nvPr>
+            <p:ph type="title"/>
+          </p:nvPr>
+        </p:nvSpPr>
+        <p:spPr>
+          <a:xfrm>
+            <a:off x="2267564" y="345460"/>
+            <a:ext cx="7656871" cy="1325563"/>
+          </a:xfrm>
+        </p:spPr>
+        <p:txBody>
+          <a:bodyPr/>
+          <a:lstStyle/>
+          <a:p>
+            <a:r>
+              <a:rPr lang="en-US" b="1" dirty="0"/>
+              <a:t>PULL REQUEST (PR) AND MERGE</a:t>
+            </a:r>
+            <a:endParaRPr lang="en-IN" b="1" dirty="0"/>
+          </a:p>
+        </p:txBody>
+      </p:sp>
+      <p:sp>
+        <p:nvSpPr>
+          <p:cNvPr id="16" name="TextBox 15">
+            <a:extLst>
+              <a:ext uri="{FF2B5EF4-FFF2-40B4-BE49-F238E27FC236}">
+                <a16:creationId xmlns:a16="http://schemas.microsoft.com/office/drawing/2014/main" id="{D5BD5262-5C97-4AA9-8193-DD78EB06935A}"/>
+              </a:ext>
+            </a:extLst>
+          </p:cNvPr>
+          <p:cNvSpPr txBox="1"/>
+          <p:nvPr/>
+        </p:nvSpPr>
+        <p:spPr>
+          <a:xfrm>
+            <a:off x="1081547" y="1671023"/>
+            <a:ext cx="10028903" cy="1569660"/>
+          </a:xfrm>
+          <a:prstGeom prst="rect">
+            <a:avLst/>
+          </a:prstGeom>
+          <a:noFill/>
+        </p:spPr>
+        <p:txBody>
+          <a:bodyPr wrap="square" rtlCol="0">
+            <a:spAutoFit/>
+          </a:bodyPr>
+          <a:lstStyle/>
+          <a:p>
+            <a:pPr marL="342900" indent="-342900">
+              <a:buFont typeface="Arial" panose="020B0604020202020204" pitchFamily="34" charset="0"/>
+              <a:buChar char="•"/>
+            </a:pPr>
+            <a:r>
+              <a:rPr kumimoji="0" lang="en-US" altLang="en-US" sz="2400" b="0" i="0" u="none" strike="noStrike" cap="none" normalizeH="0" baseline="0" dirty="0">
+                <a:ln>
+                  <a:noFill/>
+                </a:ln>
+                <a:solidFill>
+                  <a:schemeClr val="tx1"/>
+                </a:solidFill>
+                <a:effectLst/>
+                <a:latin typeface="Arial" panose="020B0604020202020204" pitchFamily="34" charset="0"/>
+              </a:rPr>
+              <a:t>If someone else has a copy of your </a:t>
+            </a:r>
+            <a:r>
+              <a:rPr lang="en-US" altLang="en-US" sz="2400" dirty="0">
+                <a:latin typeface="Arial" panose="020B0604020202020204" pitchFamily="34" charset="0"/>
+              </a:rPr>
+              <a:t>repository (be it a branch or fork), and makes changes to it that they would like you to incorporate, they can ask you to pull the changes from their repository; they're requesting a pull, hence the term "pull request".</a:t>
+            </a:r>
+          </a:p>
+        </p:txBody>
+      </p:sp>
+      <p:pic>
+        <p:nvPicPr>
+          <p:cNvPr id="4" name="Picture 3">
+            <a:extLst>
+              <a:ext uri="{FF2B5EF4-FFF2-40B4-BE49-F238E27FC236}">
+                <a16:creationId xmlns:a16="http://schemas.microsoft.com/office/drawing/2014/main" id="{A0C9FDEE-0101-43C2-9B79-58CB0B2270A3}"/>
+              </a:ext>
+            </a:extLst>
+          </p:cNvPr>
+          <p:cNvPicPr>
+            <a:picLocks noChangeAspect="1"/>
+          </p:cNvPicPr>
+          <p:nvPr/>
+        </p:nvPicPr>
+        <p:blipFill>
+          <a:blip r:embed="rId2"/>
+          <a:stretch>
+            <a:fillRect/>
+          </a:stretch>
+        </p:blipFill>
+        <p:spPr>
+          <a:xfrm>
+            <a:off x="1081547" y="3617318"/>
+            <a:ext cx="10188823" cy="2377646"/>
+          </a:xfrm>
+          <a:prstGeom prst="rect">
+            <a:avLst/>
+          </a:prstGeom>
+        </p:spPr>
+      </p:pic>
+      <p:pic>
+        <p:nvPicPr>
+          <p:cNvPr id="6" name="Picture 5">
+            <a:extLst>
+              <a:ext uri="{FF2B5EF4-FFF2-40B4-BE49-F238E27FC236}">
+                <a16:creationId xmlns:a16="http://schemas.microsoft.com/office/drawing/2014/main" id="{FD1B02D3-0BD9-4270-BACF-6E2AA47DBF3E}"/>
+              </a:ext>
+            </a:extLst>
+          </p:cNvPr>
+          <p:cNvPicPr>
+            <a:picLocks noChangeAspect="1"/>
+          </p:cNvPicPr>
+          <p:nvPr/>
+        </p:nvPicPr>
+        <p:blipFill>
+          <a:blip r:embed="rId3">
+            <a:extLst>
+              <a:ext uri="{28A0092B-C50C-407E-A947-70E740481C1C}">
+                <a14:useLocalDpi xmlns:a14="http://schemas.microsoft.com/office/drawing/2010/main" val="0"/>
+              </a:ext>
+            </a:extLst>
+          </a:blip>
+          <a:stretch>
+            <a:fillRect/>
+          </a:stretch>
+        </p:blipFill>
+        <p:spPr>
+          <a:xfrm>
+            <a:off x="297120" y="247139"/>
+            <a:ext cx="1551345" cy="647814"/>
+          </a:xfrm>
+          <a:prstGeom prst="rect">
+            <a:avLst/>
+          </a:prstGeom>
+        </p:spPr>
+      </p:pic>
+      <p:pic>
+        <p:nvPicPr>
+          <p:cNvPr id="7" name="Picture 6">
+            <a:extLst>
+              <a:ext uri="{FF2B5EF4-FFF2-40B4-BE49-F238E27FC236}">
+                <a16:creationId xmlns:a16="http://schemas.microsoft.com/office/drawing/2014/main" id="{587B2CE6-F52E-4BB8-B517-933DE1E2C684}"/>
+              </a:ext>
+            </a:extLst>
+          </p:cNvPr>
+          <p:cNvPicPr>
+            <a:picLocks noChangeAspect="1"/>
+          </p:cNvPicPr>
+          <p:nvPr/>
+        </p:nvPicPr>
+        <p:blipFill>
+          <a:blip r:embed="rId4"/>
+          <a:stretch>
+            <a:fillRect/>
+          </a:stretch>
+        </p:blipFill>
+        <p:spPr>
+          <a:xfrm>
+            <a:off x="10778739" y="0"/>
+            <a:ext cx="1413261" cy="1406013"/>
+          </a:xfrm>
+          <a:prstGeom prst="rect">
+            <a:avLst/>
+          </a:prstGeom>
+        </p:spPr>
+      </p:pic>
+    </p:spTree>
+    <p:extLst>
+      <p:ext uri="{BB962C8B-B14F-4D97-AF65-F5344CB8AC3E}">
+        <p14:creationId xmlns:p14="http://schemas.microsoft.com/office/powerpoint/2010/main" val="2706938333"/>
       </p:ext>
     </p:extLst>
   </p:cSld>
